--- a/Git Analisis/Incidencia Delictiva/Mar 2023- Actualidad/Abril/1_REPORTE EJECUTIVO INCIDENCIA ABRIL 2023.pptx
+++ b/Git Analisis/Incidencia Delictiva/Mar 2023- Actualidad/Abril/1_REPORTE EJECUTIVO INCIDENCIA ABRIL 2023.pptx
@@ -302,7 +302,7 @@
 <file path=ppt/revisionInfo.xml><?xml version="1.0" encoding="utf-8"?>
 <p1510:revInfo xmlns:a="http://schemas.openxmlformats.org/drawingml/2006/main" xmlns:r="http://schemas.openxmlformats.org/officeDocument/2006/relationships" xmlns:p1510="http://schemas.microsoft.com/office/powerpoint/2015/10/main">
   <p1510:revLst>
-    <p1510:client id="{BCA6A930-C111-497B-8002-00249B4CA012}" v="70" dt="2023-06-12T16:29:15.522"/>
+    <p1510:client id="{751590B5-D174-44E1-B9F0-E7E6D6055B67}" v="5" dt="2023-07-14T16:11:24.112"/>
   </p1510:revLst>
 </p1510:revInfo>
 </file>
@@ -44351,8 +44351,8 @@
           <a:chExt cx="0" cy="0"/>
         </a:xfrm>
       </p:grpSpPr>
-      <mc:AlternateContent xmlns:mc="http://schemas.openxmlformats.org/markup-compatibility/2006">
-        <mc:Choice xmlns:we="http://schemas.microsoft.com/office/webextensions/webextension/2010/11" xmlns:pca="http://schemas.microsoft.com/office/powerpoint/2013/contentapp" Requires="we pca">
+      <mc:AlternateContent xmlns:mc="http://schemas.openxmlformats.org/markup-compatibility/2006" xmlns:we="http://schemas.microsoft.com/office/webextensions/webextension/2010/11" xmlns:pca="http://schemas.microsoft.com/office/powerpoint/2013/contentapp">
+        <mc:Choice Requires="we pca">
           <p:graphicFrame>
             <p:nvGraphicFramePr>
               <p:cNvPr id="2" name="Complemento 1" title="Microsoft Power BI">
@@ -44384,7 +44384,7 @@
             </a:graphic>
           </p:graphicFrame>
         </mc:Choice>
-        <mc:Fallback>
+        <mc:Fallback xmlns="">
           <p:pic>
             <p:nvPicPr>
               <p:cNvPr id="2" name="Complemento 1" title="Microsoft Power BI">
@@ -46218,7 +46218,7 @@
   </we:alternateReferences>
   <we:properties>
     <we:property name="backgroundColor" value="&quot;#FFFFFF&quot;"/>
-    <we:property name="bookmark" value="&quot;H4sIAAAAAAAAA81WUW/bOAz+K4Zf9hIMtpt0Sd+6XosdcNt6bdE9DMVAW7THTZY8Sc41K/KD9nw/oX/sKNnukuKSZus2LAgMUaLIj59ISjexINtIWLyCGuOD+CWYAoQ2URqPYtXNPdf6Yw3mI4ocxtl4OhPJfp4kabY3yVhLN460svHBTezAVOguybYgvUGefHs1ikHKU6i8VIK0OIobNFYrkPQZO2VecqbF5SjG60ZqA97kuQOH3uyc1VlmKOnTPfYIhaM5nmPhutkzbLRxvTzNsv1pUewn6f4Ei2yaPJsVvMd2qwHmw/qsVJJ07NcP88XxdWM4lpuBkpOwOEvKMaRJ9mw8FjBJ02IPPTy3aLzOEaOvtKECJE925ry1yyGabBSfGF0Huz39ns9j5cgtvJBk3txFMJcsmcg379Fg0D/SSlAX/k38Z/h6jGhtF2RQkW19b8VL57o1BZ5h+VUInpfM/qnRfDbB+wU1OhLIf0lO8yr7vwTZhkNl838Rx8Oh+Yj8NG95cpgzr/pJUN6o0lodWbzmU9+uWOjdFE+wJkUFCdru+YW2jiqoCZXbyfBrZ7Tt47dRoZUzEEmISrYhCb5h76cWI84G5UCt2JGUM9cgooWXLFatIcHiDtAuuELAn05fSXar9iVpCQXd/qsi/NRSAwbEdvgrOyzVjcQHtVEVFBBVt18UGh2hipwWYCPb2qjmkfTBIZNCfA5MRRRImN/t7Wk1O7paU79a8qfrHiuZvlMFrJfbQ0Uwit/rf44M8mmK+CANTuehhXFFOiDVt4xSzNLZpIQ0yyZpMpnkOJ5u7ip9x7jQzasf0ipGd1q2zTn5zMIrr3MwLPD472HwiNZ0jpL76Y9oPC9bX80NMd2jwXlJKEXs/bw2As3zRXD0B5nhDsjux3dYVQYrGFrk8bcnxmaEh3wh8X0Wpk9a1UNIlqFH8iEyHC8M/GS/unWvMBgQQS5x8/a7FFkuf1IVreJZL6CQqn32H4o5qIJnHwfARwtp+i7LpvdxnOp86Gol1qhIQcR4k++D9fgM20raxiTbDHX9xfGTSDzDym/9LSnLDcmHCfMpbklVsn98hidmGHX1ys9YLpjja/+2zT9wh/HtmvfoX9Z6vi8xllehgldRxzXyi9wPdOtsAwWeguraUNNZJAx6fE6ghOcnjMPt8z/3b3i/D42Cf/8B1YRXhz8MAAA=&quot;"/>
+    <we:property name="bookmark" value="&quot;H4sIAAAAAAAAA81XX2/bNhD/KoJe+mIMkvwndt7SLMEGrG2WBNnDUAwn6qTeSpEqSXn2An+gPe8j9IvtSEmZHcyO27TFDMPgkT/enx/vjvR9XJBtJKxfQ43xafwKjIBCmyiNR7Hq5l5q/b4G834hkul0ns/GJzDHJDsZj2HBKN040srGp/exA1OhuyPbgvQKefLXt6MYpLyCykslSIujuEFjtQJJf2IH5iVnWtyMYlw1UhvwKm8cOPRqlwxnmV1JvxuzRRCOlniDwnWz19ho43p5nmWzuRCzJJ1NUWTz5GQheI/tVoObT+MZVJJ0bNcP8/XFqjEcy/1AyWVYXCTlBFJmYjIpYJqmYozePbduPOacva+0IQGSJzt1XtvdEE02ii+NroPenv6MkRfKkVt7Icm8utugLtkwkb+8Q4MBf65VQV349/GP4df7iNZ2QQaIbOtHK1660a0ReI3lv0KwvGH2r4zmswnWb6nRUYH8leQ0r7L9O5BtOFRW/xNxPByaj8hP85YXZznzql8E8F5Ia3VkccWnfhgo9HHAS6xJkaCCDlv+QVtHFdSEyh2l+I0z2vbx20ho5QxEEqKSdUiCT9j7ocWIs0E5UFt6JOXMNRTR2ksWq9ZQweIRrt1yhYA/nb6S7EH0HWkJgj7+rSL80FIDBorD7m/tsFQ3Ep9EoxIUPKo+/qXQ6AhV5HQBNrKtjWoeSR8cMinE58BURIGE5cPenlZzpKkd+NsN/3TdYyvTj6qA3XJ7qghG8Tv9x7lBPs0iPk2D0WVoYVyRDkj1LaMsFuliWkKaZdOU22aOk/n+rtJ3jFvdvP4irWL0gLJtzsln1h68y8GwwOOfh8EzWtMNSu6nX6LxvGp9NTfEdI8G4yWhLGJv540p0LxcB0PfkxnugOxxfGdVZbCCoUVefHpi7PfwjC8kvs/C9GWreheSTeiRfIjsjhcGfrJv3bq3GAweQS5x//aHFNlsvlIVbfuzW0AhVfvsPyuWoATPPs8BHy2k6W9ZNn/sx5XOh65WYo2KFETsb/J5bj0/ww6StjfJ9ru6++L4SiReY+W3/i8pyw3JpwnzKW5JVbJ/fIYnZhh19crPWC6Yi5V/2+a/c4fx7Zr36G/Wej4vMTgwnioX0zkWUxwXfIAinYgTnHmdhyPGlcv1o4jDZ3smrpHf936gW2cbEHgFqmtqTecfYcDxqYMqPNthHO6y/7jNw7+Boe3w5x8k3oK1jQwAAA==&quot;"/>
     <we:property name="creatorSessionId" value="&quot;eaf73599-a6c8-40e7-b5d6-b1fd21370663&quot;"/>
     <we:property name="creatorTenantId" value="&quot;3ae3c7c7-ea51-46de-9540-12f4110eac9b&quot;"/>
     <we:property name="creatorUserId" value="&quot;10030000AC9BC73D&quot;"/>
@@ -46246,22 +46246,22 @@
     <we:reference id="WA200003233" version="2.0.0.3" store="WA200003233" storeType="OMEX"/>
   </we:alternateReferences>
   <we:properties>
+    <we:property name="backgroundColor" value="&quot;#FFFFFF&quot;"/>
+    <we:property name="bookmark" value="&quot;H4sIAAAAAAAAA81XzW4bNxB+lcVechGK/ZEl2TfHtdGiTuLahnMIgmJ2ObuehktuSK4q1dAD9dxHyIt1yJVcSahkuXWCCoLAIT/Oz8eZIfUQC7KthPlbaDA+id+AKUFoE6XxIFb93GutPzVgPh0nVVoMcZSJUYpJPsmLAhilW0da2fjkIXZganR3ZDuQXiFPfvg4iEHKK6i9VIG0OIhbNFYrkPQ79mBecqbDxSDGWSu1Aa/yxoFDr3bKcJbZlfS7nC1C6WiKN1i6fvYaW23cUi7y4STPE5GxgyNRJskkn/Ae268GN5/GM6gi6diuHxbz81lrOJaHFSUXYZEJGUKaZOPhUMBRmpY5evfcvPWYM/a+1oZKkDzZq/Pa7lbRZIP4wugm6F3SnzHyXDlycy8kmVd3G9QlCyby/T0aDPgzrQT14T/EP4Zf7yNa2wcZILJrtla8dKM7U+I1Vn8LwfKC2b8yms8mWL+lVkcC+SvJaV5l+3cgu3CorP6SOB4OzUfkp3nLq9OCedWvAngnpLM6sjjjU98PLPVhwAtsSFFJgvZb/kFbRzU0hModpPidM9ou47dRqZUzEEmIKtYhCZ6x93OHEWeDcqDW9EgqmGsQ0dxLFuvOkGDxANduuULAn86ykuxe9B1pCSV9+VNF+LmjFgyI/e6v7bDUtBKfRKMqKXhUf/lDodERqshpATaynY0aHkkfHDIpxOfAVESBhOnj3iWt5kBTG/CPC/7pu8daph9UAZvl9lQRDOJ7/duZQT5NEZ+kweg0tDCuSAekli0DoJqk+ag6hrRIijGOJ2Pc3VWWHeNWt29fpFUMHlG2Kzj5zNyDNzlYLfD459XgP7SmG5TcT1+i8bzpfDW3xHQPVsYrQilib+edEWhez4Oh78ms7oBsO77TujZYw6pFnj8/MXZ7eMoXEt9nYfqiU0sXkkXokXyI7I4XVvxk37p1rzEYPIJC4u7tjymyWHylKlr3Z7OAQqous/9UTEGVPHtoBbj1jPRBQpr+kmWTg+7MM91wHyS7Lf1ESgRrl1i55+eK2479SherTlphg4oURMxREnDXVN8HI//Q6o6SJLl8mTNZ5+Y57h1wUvjCRbc3j3bW3W5XNx9hX4nEa6z91v8lZYUh+TRhPsMsqVou3+Ph1R1GfSXxy557yPnMP/eLX7np+huM9+hv1o3/XWJwYDw14kt4DMcJCkyGMIHySORe5/6IceYKvRVx+KzPxA3yXx4/0J2zLZR4BapvN23vH2HA8amDEp7tMDY7qj78QVpVPX/+AmwVNaigDQAA&quot;"/>
+    <we:property name="creatorSessionId" value="&quot;75785ffc-6ee3-423a-9bf0-a2fdb9f24fd1&quot;"/>
+    <we:property name="creatorTenantId" value="&quot;3ae3c7c7-ea51-46de-9540-12f4110eac9b&quot;"/>
+    <we:property name="creatorUserId" value="&quot;10030000AC9BC73D&quot;"/>
+    <we:property name="datasetId" value="&quot;b4bff926-7ff0-42e6-ba0c-eedc30f72ecb&quot;"/>
+    <we:property name="embedUrl" value="&quot;/reportEmbed?reportId=20fb8411-5370-4750-858c-646e8ce2ff47&amp;config=eyJjbHVzdGVyVXJsIjoiaHR0cHM6Ly9XQUJJLVNPVVRILUNFTlRSQUwtVVMtcmVkaXJlY3QuYW5hbHlzaXMud2luZG93cy5uZXQiLCJlbWJlZEZlYXR1cmVzIjp7Im1vZGVybkVtYmVkIjp0cnVlLCJ1c2FnZU1ldHJpY3NWTmV4dCI6dHJ1ZX19&amp;disableSensitivityBanner=true&quot;"/>
+    <we:property name="initialStateBookmark" value="&quot;H4sIAAAAAAAAA81X227bOBD9FUEvfTEWuqSNmzc362AXua4TpA9FUIykkTILilRJyhtv4A/a535Cf6xDSsrawdpxtmnRIDA45HAuhzOH1H1YkGkELM6gxvAgPAWdQ6F0EIejUHZz787Pj08ns+OPZ5PTKU+rxpKSJjy4Dy3oCu01mRaEs8CTH25GIQhxAZWTShAGR2GD2igJgv7GTpmXrG5xOQrxrhFKgzN5acGiMztndZbZd/xLyh4htzTHS8xtNzvDRmnby1m6N07TqEjScfqmyKNonI55j+lWfZhP67NSScKyXzfMFtO7RnMu9wMGR37xbVTuQRwl+3t7BbyO4zxFF55dNE7nkKOvlKYcBE925py16yGbZBQeaVV7uz3eCWtOpSW7cEKUOHNX3ly0ZCDf36JGr3+oZEFd+vfh7/7XxYjGdEl6FdHWj1acdKlaneMMy38F73nJ6F9oxWfjvV9Ro4IC+V+QVbzK/q9BtP5Q2fwJcT6cmsvITfOWV5OMcVWvvPJGldaowOAdn/p2xVztpniENUnKqaDtnn9TxlIFNaG0Oxk+t1qZPn8T5EpaDYGAoGQbguAZez+1GHA1SAtyxY6gjLGGIlg4yWDVaipY3CG0K+4QcKfTd5LZqn1NSkBOXz7LAD+11ICGYnv4KzsM1Y3AJ7VR5uQjqr78I1GrAGVgVQEmMK0Jah4JlxwyKMTnwFAEHoT5w94eVr2jqzX1myX/dOyxUuk7dcB6uz3VBKPwVv11qJFPswgPYu907imMO9ICyZ4yAMpxnL4p30KcRdk+7o/3cTOr9IxxpZqzF6GK0YOWaTMuPr1wyusYDAs8/mMYfAM1XaJgPn0J4jltXTc3xHCPBucloShC5+dcF6jfLbyjX0kPd0DyOL9JVWmsYKDI6fMLY3OEE76Q+D7z00et7EOIlp4j+RA5HCcM+CQ/mrpXEPQRQSZw8/aHElkuv1MXrcaz3kC+VPvqnxRzkDnP7toBdrUiXZIQxx+TZLzTnXmoauZBMo+lY5KF93aCpX1+rdjHuV+obGDSEmuUJCFgjCKvN6Pq1jv5D6p7HUXRycucySo2zwlvh5PCF266rXW0se82h7r+CPtOIM6wclt/SsgyTeJpwFyFGZKV6N/j/tXtR10n8cueOWR655772Z9Muu4G4z3qh7Hx/yuM5Y1voNWowxr5I8UNVGtNAzlegOwIouksEno9PieQhcPHj/WGPvWfNKF3wohRT7VbNrgPnaGv+e8r9IDry3MNAAA=&quot;"/>
+    <we:property name="isFiltersActionButtonVisible" value="true"/>
+    <we:property name="pageDisplayName" value="&quot;Top 20 municipios y poblacion femenina&gt;5k&quot;"/>
+    <we:property name="pageName" value="&quot;ReportSectionb348330d23836dc00838&quot;"/>
     <we:property name="pptInsertionSessionID" value="&quot;1817AA16-E05F-41F7-A920-11E2A1153E9E&quot;"/>
-    <we:property name="reportUrl" value="&quot;/groups/me/reports/20fb8411-5370-4750-858c-646e8ce2ff47/ReportSectionb348330d23836dc00838?experience=power-bi&quot;"/>
+    <we:property name="reportEmbeddedTime" value="&quot;2023-06-09T17:36:34.250Z&quot;"/>
     <we:property name="reportName" value="&quot;Dashboard SIS-Abril&quot;"/>
     <we:property name="reportState" value="&quot;CONNECTED&quot;"/>
-    <we:property name="embedUrl" value="&quot;/reportEmbed?reportId=20fb8411-5370-4750-858c-646e8ce2ff47&amp;config=eyJjbHVzdGVyVXJsIjoiaHR0cHM6Ly9XQUJJLVNPVVRILUNFTlRSQUwtVVMtcmVkaXJlY3QuYW5hbHlzaXMud2luZG93cy5uZXQiLCJlbWJlZEZlYXR1cmVzIjp7Im1vZGVybkVtYmVkIjp0cnVlLCJ1c2FnZU1ldHJpY3NWTmV4dCI6dHJ1ZX19&amp;disableSensitivityBanner=true&quot;"/>
-    <we:property name="pageName" value="&quot;ReportSectionb348330d23836dc00838&quot;"/>
-    <we:property name="pageDisplayName" value="&quot;Top 20 municipios y poblacion femenina&gt;5k&quot;"/>
-    <we:property name="datasetId" value="&quot;b4bff926-7ff0-42e6-ba0c-eedc30f72ecb&quot;"/>
-    <we:property name="backgroundColor" value="&quot;#FFFFFF&quot;"/>
-    <we:property name="bookmark" value="&quot;H4sIAAAAAAAAA81XzW4bNxB+lcVechGK/ZEj2TfHtdGiTuLahnMIjGJ2ObuehktuSK5r1dAD9dxHyIt1yN11JaOS5dYJKggCh/w4Px9nhtR9LMi2EhbvoMH4IH4LpgShTZTGk1j1c2+0/tSA+TQtMREi35sm2XS2vw9FMp8zSreOtLLxwX3swNTorsh2IL1Cnvx4PYlByjOovVSBtDiJWzRWK5D0O/ZgXnKmw+UkxrtWagNe5YUDh17tLcNZZlfS73K2CKWjW7zA0vWz59hq4wa5yKfzPE9Els/z16JMknnuvbT9anDzaTyDKpKO7fphsTi+aw3Hcj9SchIW95NqCmmSzaZTAXtpWubo3XOL1mOO2PtaGypB8mSvzmu7GqPJJvGJ0U3QO9CfMfJYOXILLySZV3cZ1CVLJvLDDRoM+COtBPXh38c/hl/vI1rbBxkgsmserXjpQnemxHOs/haC5SWzf2Y0n02wfkmtjgTyV5LTvMr2r0B24VBZ/SlxPByaj8hP85ZXhwXzql8F8EZIZ3Vk8Y5PfTuw1LsBT7AhRSUJ2m75B20d1dAQKreT4vfOaDvEb6NSK2cgkhBVrEMSPGPv5w4jzgblQK3okVQw1yCihZcs1p0hweIOrl1yhYA/naGS7Fb0FWkJJX35U0X4uaMWDIjt7q/ssNS0Ep9EoyopeFR/+UOh0RGqyGkBNrKdjRoeSR8cMinE58BURIGE24e9A61mR1Nr8Osl//TdYyXTd6qA9XJ7qggm8Y3+7cggn6aID9Jg9Da0MK5IB6SGlgFQzdP8dbUPaZEUM5zNZ7i5qwwd41K3716kVUweULYrOPnMwoPXORgXePzzOPgPrekCJffTl2g8bztfzS0x3ZPReEUoReztvDcCzZtFMPQ9mfEOyB7Hd1jXBmsYW+Tx8xNjs4eHfCHxfRamTzo1uJAsQ4/kQ2R3vDDyk33r1r3CYPAICombtz+kyHL5lapo1Z/1AgqpOmT/obgFVfLsrhXgVjPSBwlp+kuWzXe6M490w32Q7GPpJ1IiWDvFyj0/V9zj2M90MXbSChtUpCBijpKAO6f6Jhj5h1a3lyTJ6cucySo3z3Fvh5PCFy66rXm0se42u7r+CPtKJJ5j7bf+LykrDMmnCfMZZknVcniPh1d3GPWVxC977iHHd/65X/zKTdffYLxHf7Nu/O8SY3kdCmjV67hB/pPiB7pztoUSz0D1DaLtNRIGHJ8TKOH5CWOzoU7DX5qxTvnzF/u/7hJSDQAA&quot;"/>
-    <we:property name="initialStateBookmark" value="&quot;H4sIAAAAAAAAA81X227bOBD9FUEvfTEWuqSNmzc362AXua4TpA9FUIykkTILilRJyhtv4A/a535Cf6xDSsrawdpxtmnRIDA45HAuhzOH1H1YkGkELM6gxvAgPAWdQ6F0EIejUHZz787Pj08ns+OPZ5PTKU+rxpKSJjy4Dy3oCu01mRaEs8CTH25GIQhxAZWTShAGR2GD2igJgv7GTpmXrG5xOQrxrhFKgzN5acGiMztndZbZd/xLyh4htzTHS8xtNzvDRmnby1m6N07TqEjScfqmyKNonI55j+lWfZhP67NSScKyXzfMFtO7RnMu9wMGR37xbVTuQRwl+3t7BbyO4zxFF55dNE7nkKOvlKYcBE925py16yGbZBQeaVV7uz3eCWtOpSW7cEKUOHNX3ly0ZCDf36JGr3+oZEFd+vfh7/7XxYjGdEl6FdHWj1acdKlaneMMy38F73nJ6F9oxWfjvV9Ro4IC+V+QVbzK/q9BtP5Q2fwJcT6cmsvITfOWV5OMcVWvvPJGldaowOAdn/p2xVztpniENUnKqaDtnn9TxlIFNaG0Oxk+t1qZPn8T5EpaDYGAoGQbguAZez+1GHA1SAtyxY6gjLGGIlg4yWDVaipY3CG0K+4QcKfTd5LZqn1NSkBOXz7LAD+11ICGYnv4KzsM1Y3AJ7VR5uQjqr78I1GrAGVgVQEmMK0Jah4JlxwyKMTnwFAEHoT5w94eVr2jqzX1myX/dOyxUuk7dcB6uz3VBKPwVv11qJFPswgPYu907imMO9ICyZ4yAMpxnL4p30KcRdk+7o/3cTOr9IxxpZqzF6GK0YOWaTMuPr1wyusYDAs8/mMYfAM1XaJgPn0J4jltXTc3xHCPBucloShC5+dcF6jfLbyjX0kPd0DyOL9JVWmsYKDI6fMLY3OEE76Q+D7z00et7EOIlp4j+RA5HCcM+CQ/mrpXEPQRQSZw8/aHElkuv1MXrcaz3kC+VPvqnxRzkDnP7toBdrUiXZIQxx+TZLzTnXmoauZBMo+lY5KF93aCpX1+rdjHuV+obGDSEmuUJCFgjCKvN6Pq1jv5D6p7HUXRycucySo2zwlvh5PCF266rXW0se82h7r+CPtOIM6wclt/SsgyTeJpwFyFGZKV6N/j/tXtR10n8cueOWR655772Z9Muu4G4z3qh7Hx/yuM5Y1voNWowxr5I8UNVGtNAzlegOwIouksEno9PieQhcPHj/WGPvWfNKF3wohRT7VbNrgPnaGv+e8r9IDry3MNAAA=&quot;"/>
-    <we:property name="isFiltersActionButtonVisible" value="true"/>
-    <we:property name="reportEmbeddedTime" value="&quot;2023-06-09T17:36:34.250Z&quot;"/>
-    <we:property name="creatorTenantId" value="&quot;3ae3c7c7-ea51-46de-9540-12f4110eac9b&quot;"/>
-    <we:property name="creatorUserId" value="&quot;10030000AC9BC73D&quot;"/>
-    <we:property name="creatorSessionId" value="&quot;75785ffc-6ee3-423a-9bf0-a2fdb9f24fd1&quot;"/>
+    <we:property name="reportUrl" value="&quot;/groups/me/reports/20fb8411-5370-4750-858c-646e8ce2ff47/ReportSectionb348330d23836dc00838?experience=power-bi&quot;"/>
   </we:properties>
   <we:bindings/>
   <we:snapshot xmlns:r="http://schemas.openxmlformats.org/officeDocument/2006/relationships" r:embed="rId1"/>
@@ -46275,22 +46275,22 @@
     <we:reference id="WA200003233" version="2.0.0.3" store="WA200003233" storeType="OMEX"/>
   </we:alternateReferences>
   <we:properties>
+    <we:property name="backgroundColor" value="&quot;#FFFFFF&quot;"/>
+    <we:property name="bookmark" value="&quot;H4sIAAAAAAAAA81WzW7bRhB+FYKXXISCpEQp9s1xbbRAk7i24R6KIBhyR8w0y11md6lKMfRAOfcR8mKdXZKOpMayUjtFCYnYn29nvpmdGc5tLMg2ElavoMb4OH4JpgShTZTGo1h1ay+0fl+DeZ9MMMdpnk6ztMxEmY3zbM4o3TjSysbHt7EDU6G7IduC9AJ58fc3oxikvIDKz+YgLY7iBo3VCiR9xA7MW860uB7FuGykNuBFXjlw6MUuGM5zppL+MGaNUDpa4BWWrlu9xEYb18+T4mg2m85EmeT5tMiKbHyU8Bnb7QaaD+MZNCfpWK8fFquzZWPYltvBJedh8yiZTyBNstlkIiBP03KMnp5bNR5zyuwrbagEyYudOC/tZrAmG8XnRtdBbu/+jJFnypFb+UmSeXHXQVyyZkf+9g4NBvypVoI682/jn8Pbc0RrOyMDRLb1zo6fXenWlHiJ8y+ToHnN3r8wmu8maL+mRkcC+SfJad5l/Tcg23CpLP4XYnvYNG+RX+Yjz04K9qt+FsD3QlqrI4tLvvX9wFIfBjzHmhSVJGi/5p+0dVRBTajcQYJfO6Ntb7+NSq2cgUhCNGcZkuAbzn5oMeJoUA7UhhxJBfsaRLTyM4tVa0jw9ABq15wh4G+nzyS7F31DWkJJn/9SEX5oqQEDYj/9jROW6kbig2hUJQVG1edPCo2OUEVOC7CRbW1U80h645CdQnwP7IooOGFxd7Z3qzlQ1Rb8zZpfXfXYiPSDMmA73R5KglH8Tv95apBvU8THaVC6CCWMM9IBqb5kpICTPOc/jDORZFCI6ez+qtJXjGvdvHqSUjG6Q9m24OAzKw/e9sGwweNfh8EjStMVSq6nT1F4XrY+mxtid48G5XNCKWKv57URaF6sgqIfyQzfgGzXvpOqMljBUCLPvj0w9jAE87ELhvNW9QSSdaiQfIVMxk8G72T/deHe8F9gBIXE+4/fBch6/Z1yaJPPdvqEQO1j/0QsQJW8+jgC3lpI07dZ9nyXx4Uuhpo2xxoVKYiYb/LvaD0+vvY67YR7Hm6Z/hlk91Pd7je+kxMvsfJH/5cuKwzJhx3mQ9ySqmTfeoYGM4y6fOUmlhPmbOk72+IPri++WPMZ/fXCk+4WnqdNGKbLm5PJ8wLTIp+JSVICjMu+R91vBy5doXfsCM/mSlwj9+x+oFtnGyjxAlRXqpqOEmHA8V2CEt6HYRy+T1/5QocOfygm/PwNEYJZ4mEMAAA=&quot;"/>
+    <we:property name="creatorSessionId" value="&quot;f7adfe09-1b10-4aaa-bb22-29111a6d5b65&quot;"/>
+    <we:property name="creatorTenantId" value="&quot;3ae3c7c7-ea51-46de-9540-12f4110eac9b&quot;"/>
+    <we:property name="creatorUserId" value="&quot;10030000AC9BC73D&quot;"/>
+    <we:property name="datasetId" value="&quot;b4bff926-7ff0-42e6-ba0c-eedc30f72ecb&quot;"/>
+    <we:property name="embedUrl" value="&quot;/reportEmbed?reportId=20fb8411-5370-4750-858c-646e8ce2ff47&amp;config=eyJjbHVzdGVyVXJsIjoiaHR0cHM6Ly9XQUJJLVNPVVRILUNFTlRSQUwtVVMtcmVkaXJlY3QuYW5hbHlzaXMud2luZG93cy5uZXQiLCJlbWJlZEZlYXR1cmVzIjp7Im1vZGVybkVtYmVkIjp0cnVlLCJ1c2FnZU1ldHJpY3NWTmV4dCI6dHJ1ZX19&amp;disableSensitivityBanner=true&quot;"/>
+    <we:property name="initialStateBookmark" value="&quot;H4sIAAAAAAAAA81WX2/bNhD/KgJf+mIUkhLHS97czEGLLn+WBNnDUBQn8axeQZEqSXlxA3+gPe8j9IvtSEmZnS2Ou7TDAsfgkce73/14d747Ick1CpZnUKM4EqdgS5DGJpkYCd3tvTo/f3s6vXz7/mx6OuNt03gy2omjO+HBVuhvyLWgggXe/PXdSIBSF1AFaQ7K4Ug0aJ3RoOgzdsp85G2Lq5HA20YZC8HklQePweyC1Vlm39nLPfYIpacFXmHpu91LbIz1vZwWh5PJwUSW6Xh8UORFvneY8h3XnUaYT+uz0pyUZ79hWSxnt43lWO4GDk7i4WE634cszSf7+xLGWVbuYYDnl03QOWb0lbFUguLNzlywdjNEk4/EiTV1tNvznbPmTHvyyyCkeTB3Hc2lKybylw9oMeofGy2pC/9OvInfASM61wUZVVRbPzgJ0pVpbYmXOP9LiJ5XzP6FNfw20fs1NSaRyB9F3vAp+78B1cZHZfM/EcfDoYWIwjZfeTEtmFfzIio/qtI6kzi85Vffrlia3RRPsCZNJUna7vm1cZ4qqAm138nwubfG9fG7pDTaW0gUJHO2oQi+4u6nFhPOBu1Br9lRVDDXIJNlkBxWrSXJ4g7QrrlCILxOX0luq/YNGQUlfflDJ/ippQYsyO3w1244qhuFT2qjLikiqr78rtGaBHXijQSXuNYlNa9UCA6ZFOJ3YCqSSMLi/m5Pq93R1Yb6uxV/dd1jLdN3qoDNcnuqCEbig/nt2CK/phRHWXS6iC2MK9ID6b5lZID74zH/w14u0xwKeTB5vKv0HePaNGffpFWM7rVcW3Dy2WVQ3uRgOOD1z8PiGa3pChX302/ReE7bUM0NMd2jwfmcUEkR/JxbifbVMjr6kezwG5A/jG9aVRYrGFrk7OsTYwtCsJ+7ZDhpdQ8gXcUOyU/IYIIwsJP/1417jb+ICAqFj1+/T5DV6jvV0DqezfKJidrn/lQuQJe8+zwAIVrIsvd5/sNDHBemGHraHGvUpCFhvOm/g/X8/NpK2pRnHh6Z/p5kj0PdnDe+E4mXWIWr/0vKCkvqacJCijvSlepHzzhgxlVXrzzEcsHMbsNkW3zk/hKadSyO1fqOqJFn3bAwrXcNlHgBuivxpsNEGPWYA9Ay+I7r2Nf/4ZctTsYiOmE01NfslgthXh6Klv/+BFXiGaC6CwAA&quot;"/>
+    <we:property name="isFiltersActionButtonVisible" value="true"/>
+    <we:property name="pageDisplayName" value="&quot;Duplicado de Top 20 municipios mayor IncidenciaDel&quot;"/>
+    <we:property name="pageName" value="&quot;ReportSection0b97767dc0556b2b2390&quot;"/>
     <we:property name="pptInsertionSessionID" value="&quot;1817AA16-E05F-41F7-A920-11E2A1153E9E&quot;"/>
-    <we:property name="reportUrl" value="&quot;/groups/me/reports/20fb8411-5370-4750-858c-646e8ce2ff47/ReportSection0b97767dc0556b2b2390?experience=power-bi&quot;"/>
+    <we:property name="reportEmbeddedTime" value="&quot;2023-06-09T17:38:05.762Z&quot;"/>
     <we:property name="reportName" value="&quot;Dashboard SIS-Abril&quot;"/>
     <we:property name="reportState" value="&quot;CONNECTED&quot;"/>
-    <we:property name="embedUrl" value="&quot;/reportEmbed?reportId=20fb8411-5370-4750-858c-646e8ce2ff47&amp;config=eyJjbHVzdGVyVXJsIjoiaHR0cHM6Ly9XQUJJLVNPVVRILUNFTlRSQUwtVVMtcmVkaXJlY3QuYW5hbHlzaXMud2luZG93cy5uZXQiLCJlbWJlZEZlYXR1cmVzIjp7Im1vZGVybkVtYmVkIjp0cnVlLCJ1c2FnZU1ldHJpY3NWTmV4dCI6dHJ1ZX19&amp;disableSensitivityBanner=true&quot;"/>
-    <we:property name="pageName" value="&quot;ReportSection0b97767dc0556b2b2390&quot;"/>
-    <we:property name="pageDisplayName" value="&quot;Duplicado de Top 20 municipios mayor IncidenciaDel&quot;"/>
-    <we:property name="datasetId" value="&quot;b4bff926-7ff0-42e6-ba0c-eedc30f72ecb&quot;"/>
-    <we:property name="backgroundColor" value="&quot;#FFFFFF&quot;"/>
-    <we:property name="bookmark" value="&quot;H4sIAAAAAAAAA81WX0/UQBD/Kk1ffLmYtnAc8IYI0UQBgeCDIWbanasj2926uz05yX0gn/0IfjFnty3eoRyngJEcl/3z25nf/HZmbq9iQbaWMD2ACuPt+DWYAoQ2URoPYtWuPdP6ogJzsZlnm8N8I8dhtpkkOaY43GKUrh1pZePtq9iBKdGdkW1AeoO8+O58EIOUR1D62RikxUFco7FagaQv2IJ5y5kGZ4MYL2upDXiTJw4cerMThvOcqaRP19gjFI4meIKFa1ePsdbGdfMk3xqNNkaiSIbDjTzLs7WthM/YdjfQvBvPoDFJx379MJ/uXdaGY7nqJdkPm1vJeB3SJButrwsYpmmxhp6em9Yes8vsS22oAMmLrTlv7ayPJhvE+0ZXwW4nf8bIPeXITf0kyby502AumbGQbz+gwYDf1UpQG/5V/DJ8e45obRtkgMimurHjZye6MQUe4/jnJHiesfpHRvPdBO+nVOtIIH8kOc277P8MZBMulc2/Io6HQ/MR+WU+8mQnZ131kwC+FdJYHVm85FtfDiz0asB9rEhRQYKWe36hraMSKkLlVjJ86Iy2Xfw2KrRyBiIJ0ZhtSII/OPupwYizQTlQc3Yk5aw1iGjqZxbLxpDg6QrUTrlCwN9OV0l2KfqMtISCvn9TEX5qqAYDYjn9uROWqlrinWhUBQVG5fevCo2OUEVOC7CRbWxU8Uj64JBFIb4HliIKIkyuz3aymhVdLcDPZ/zVdo+5TF+pAhbL7a4iGMQf9Oddg3ybIt5Og9NJaGFckQ5IdS0jBVwfDvkf1jKRZJCLjdHtXaXrGKe6PniQVjG4Rtkm5+QzUw9e1KDf4PGbfnCP1nSCkvvpQzSe142v5ppY7kHvfEwoRez9HBqB5tk0OHpOpv8NyG7Gt1OWBkvoW+TenyfGEoZgvrTJsN+ojkAyCx2Sr5DJ+EmvTvavG/ecfoER5BJvP36dILPZI9XQPJ/F8gmJ2uX+jpiAKnj1fgR8tJCm77Ns8yaPI533PW2MFSpSEDHf5O9o3T+/loq2w28efjL9mmS3U118bzySiMdY+qP/pWS5IXm3YD7FLalSdk/P8MAMo7Ze+RHLBbN36V+2+UfuL75Z8xn9+8aT3mw8D1sws/NQl/Nc4gr5le0HunG2hgKPQLXNpW6NEAYcqw9K+KjDOPyi/OY3NbzJ+/Lnvx+rmbo3EwwAAA==&quot;"/>
-    <we:property name="initialStateBookmark" value="&quot;H4sIAAAAAAAAA81WX2/bNhD/KgJf+mIUkhLHS97czEGLLn+WBNnDUBQn8axeQZEqSXlxA3+gPe8j9IvtSEmZnS2Ou7TDAsfgkce73/14d747Ick1CpZnUKM4EqdgS5DGJpkYCd3tvTo/f3s6vXz7/mx6OuNt03gy2omjO+HBVuhvyLWgggXe/PXdSIBSF1AFaQ7K4Ug0aJ3RoOgzdsp85G2Lq5HA20YZC8HklQePweyC1Vlm39nLPfYIpacFXmHpu91LbIz1vZwWh5PJwUSW6Xh8UORFvneY8h3XnUaYT+uz0pyUZ79hWSxnt43lWO4GDk7i4WE634cszSf7+xLGWVbuYYDnl03QOWb0lbFUguLNzlywdjNEk4/EiTV1tNvznbPmTHvyyyCkeTB3Hc2lKybylw9oMeofGy2pC/9OvInfASM61wUZVVRbPzgJ0pVpbYmXOP9LiJ5XzP6FNfw20fs1NSaRyB9F3vAp+78B1cZHZfM/EcfDoYWIwjZfeTEtmFfzIio/qtI6kzi85Vffrlia3RRPsCZNJUna7vm1cZ4qqAm138nwubfG9fG7pDTaW0gUJHO2oQi+4u6nFhPOBu1Br9lRVDDXIJNlkBxWrSXJ4g7QrrlCILxOX0luq/YNGQUlfflDJ/ippQYsyO3w1244qhuFT2qjLikiqr78rtGaBHXijQSXuNYlNa9UCA6ZFOJ3YCqSSMLi/m5Pq93R1Yb6uxV/dd1jLdN3qoDNcnuqCEbig/nt2CK/phRHWXS6iC2MK9ID6b5lZID74zH/w14u0xwKeTB5vKv0HePaNGffpFWM7rVcW3Dy2WVQ3uRgOOD1z8PiGa3pChX302/ReE7bUM0NMd2jwfmcUEkR/JxbifbVMjr6kezwG5A/jG9aVRYrGFrk7OsTYwtCsJ+7ZDhpdQ8gXcUOyU/IYIIwsJP/1417jb+ICAqFj1+/T5DV6jvV0DqezfKJidrn/lQuQJe8+zwAIVrIsvd5/sNDHBemGHraHGvUpCFhvOm/g/X8/NpK2pRnHh6Z/p5kj0PdnDe+E4mXWIWr/0vKCkvqacJCijvSlepHzzhgxlVXrzzEcsHMbsNkW3zk/hKadSyO1fqOqJFn3bAwrXcNlHgBuivxpsNEGPWYA9Ay+I7r2Nf/4ZctTsYiOmE01NfslgthXh6Klv/+BFXiGaC6CwAA&quot;"/>
-    <we:property name="isFiltersActionButtonVisible" value="true"/>
-    <we:property name="reportEmbeddedTime" value="&quot;2023-06-09T17:38:05.762Z&quot;"/>
-    <we:property name="creatorTenantId" value="&quot;3ae3c7c7-ea51-46de-9540-12f4110eac9b&quot;"/>
-    <we:property name="creatorUserId" value="&quot;10030000AC9BC73D&quot;"/>
-    <we:property name="creatorSessionId" value="&quot;f7adfe09-1b10-4aaa-bb22-29111a6d5b65&quot;"/>
+    <we:property name="reportUrl" value="&quot;/groups/me/reports/20fb8411-5370-4750-858c-646e8ce2ff47/ReportSection0b97767dc0556b2b2390?experience=power-bi&quot;"/>
   </we:properties>
   <we:bindings/>
   <we:snapshot xmlns:r="http://schemas.openxmlformats.org/officeDocument/2006/relationships" r:embed="rId1"/>
@@ -46334,7 +46334,7 @@
   </we:alternateReferences>
   <we:properties>
     <we:property name="backgroundColor" value="&quot;#FFFFFF&quot;"/>
-    <we:property name="bookmark" value="&quot;H4sIAAAAAAAAA91YzW4bNxB+lQUvuQjBrv5s+ea4Nhq0TtzYcA9BYMwuRxs2XHJDclUphh6o5z5CXqxD7kqRFFuWbFkJKggyf4Yz3ww535C+ZVzYUsLkDRTIjtg5mAy4NlHCWkzVY6+0/lSA+ZQcHsZt7HT6fY4ceDfr9jlJ6dIJrSw7umUOTI7uWtgKpFdIg+8ZdhB7SZ+WxnE/Tnr9fm/APrQYSHkBuZcZgrTYYiUaqxVI8QVrFTTlTIXTFsNxKbUBb+jSgUNvbETi1CeAycsO4YDMiRFeYubq0XdYauOa/jBNsZMMkjTGfi9O4h7wQ1pj69kA/mF5EhoK6ciub6aT03FpyMPbWaDOwmRnOBh0k4NeOujHvNs5iKHt4blJ6WVOCH2ujchA0mCtzmu7nnnTbrEzo4ugt9mUNkmeKifcxHfioO4qqIunFMg/P6LBIH+iFRe1+7fsdfj1GNHa2skgIqtiZcb3LnVlMnyHw2+dYHlK0b8wmvYmWL8SpY440lcKp2mW7F+DrMJWk/rfBflDrnmP/DAteXGcUlz1iyB8r0hldWRxTLu+XjDTmwmeYSGUyAQX6y3/qq0TORQCldtI8VtntG38t1GmlTMQSYiGpEMK2GLt5wojOg3KgVrQI0VKsQYeTXzPYl4ZQdm2CbQryhDwu9Nkkl0rfS20hEx8/VdF+LkSJRjg6+EvrLCiKCU+KI0qEwFR/vUfhUZHqCKnOdjIVjYqqCW9c0hBEbQPFIooBGE0X9uE1Wxoakn8w5R+avZYOOkbZcByuj2UBC32Uf99YpB2k7OjJBgdBQqjjHQgVEMZd1LhvazSMMaVLt/shCpacylbpXT4zMQLL8dgNkHtP2aNp9srFqXOK5+XpQiZEBmBNtfLhHaJklh4F3Q1t8VovAEzFCg583beGo7m1SQY+kWYWeVor0blOM8N5jAj1tPtj9McYXEvQh8MkMRBTUS83FmlGkydaaBaOgvsqBdP/WQdsPa+K8BCSAMiSCXev3x+0qbTZ0rGRTyrediaJ9ExH4HK0N9XcMd7ux4dmC+rexmvAo03AXqOYCuDTwEjiCI51RuiW6cdSPoLqRHyhrSVmN0Uc7A/At1vF69vCM5a+8u3p6ccpTtZaJvc3DpEz3zSjv1O/iwnze8lnaZ9naXvSIpuFFiUd5j3DGSFymXzxAgPidCq6ZSeMMRnp2P/rkn/oorgizKt0RuWil1iJ7A0kw6zQdbLIAY4TAf8YNDN0t3eGXZ3G9hXnd+iiv5vy/6jb1fPeFnYxs193x32T/jb4TvRnmMUvcHsKqyFqZfJT4Sl/cPuCo+9yTxI/wWU+6P+R7vlK0Mgg29AWYEmD8Z15WwJGV6AqtO8rA0IrN+g4xIU9+EI7VAd7nhTh//JzTKPPv8BB5QvvSkUAAA=&quot;"/>
+    <we:property name="bookmark" value="&quot;H4sIAAAAAAAAA91Y3U7jOBR+lSg37EoVSltaKHcMC1o0wwwLiL1YIXRinwbvOHGwnU47qA+01/sI82J77CT9AVrKX3dmEJTYPj7/5zsnvQ25MLmE0UdIMdwNj0Ez4EoHzbARZuXeO6U+p6A/s+YOwFaEUZdxxragu822iUrlVqjMhLu3oQWdoL0QpgDpGNLmX5eNEKQ8gcSt+iANNsIctVEZSPEVS2I6srrAcSPEYS6VBsfyzIJFx3ZA5LQmVZqbbZIIzIoBniGz5e4p5krbat2PY2w3e804wm4nakYd4Dt0x5SnXs3H6YmoL6Qlue4xHh0Mc0223NYuOfSH7X6vt9Xc7sS9bsS32tsRtJx6dpQ7mn3SPlFaMJC0WbJz3C5qa1qN8FCr1POt3N8iyoPMCjtyi8izO/fsojE58s9r1Ojp91XGRWn+bXjkP52OaExppCeRRXrnxK3OVKEZnmJ/uvCSx+T9E60oNl76uchVwJF+pbCKTkn+BcjCB5XYfxBkD5nmLHLbdGVjLya/qg1PvJCkMCowOKSoLydkajXCQ0xFJpjgYrnk35WxIoFUYGZXYvzJamUq+03AVGY1BBKCPvGQAp5w96bAgLIhs5DN8JEiJl8DD0ZuZTAptOC0XEG1c6oQcNGpKskspb4QSgIT3/7NArwpRA4a+HL1Z24YkeYSH6XGjAmvUfLtnwy1CjALrOJgAlOYIKUn6YxDcoqgOJArAu+EweRu5Va9oqg58ssxfZToMZPpK1XAfLk9VgSN8Fp92ddI0eThbtMLHXgIo4q0ILIKMrbjdqfVZlELehx7GEURgNs3IktkBXoe2vxTWeKhxaGN1dBhavw3oZPjNHYy4z7rsQ4DYrIT9/h2b4vFizGqwp9zlX9cGXhMEVOS6pHDn3lf1Qf0/Ef9sIxTOgthx4WrzFz4Wgi0QJOoeUg7Q0mWPgOw0ruxmshyokBSjVfyiKzSrS9Q8tCJ/aQ56ncjL/c3oetW0rpr/l6SaEygRtqDp+fXcxQmusMiq3Rqjz32UjjD3U7k86H0X2vceK7X37CRPMVMZxbEEhdzm+TlePwKJf6gY54Sldnij5z7q1rb4wPIGO2+TL99pSgvM0Jnc1etmaPN5nekS+t5uhwjmELjS7BZUBsgLSy1FKssSPoPsRbyirjlyK5oZP36UNRcEi2F4RTyeQimxYpwsUazyA5XDW3ETrMbtajFdKNmp9vt9F63MywbSRtv0D9Wk7euLnNvLJ7I+onbyprfNGZcuvaO8FAFzupzd95bAdpeHtvl2k1gbRrL6EfD4PVo9/7k6IrUWSp//i39xxou3jjT9lwkv5dMc7GkbFpXLt0DKXpzxTR/zjhhHZ4dDNc3UizW3St7LZJrSX/Wv4/6xug5kh4cLBzT9OPEPpDNmwvT1102jAQe8TL30hy0MHUm1qv3InM+a4QfsG//hwo7rc1+8DsVCVZCcVPQGWHXxrTBpGjBuYbMpHkm/cXl56bH4V8pqpMdXy9ux6/uQ2N9UqfydFk+tjarQF26NlhOZ1O3HE+UuJ3J7ic04NdyI+nGgF0j9547spiWSnhraVJA8zOnQyMcOIqqSiI3Tc8Thn4yH/uBalrwlEM68UWsCmtyYHgCWTlg5aW23m8+tJBx5HWYF6jnv0ivM5R+/gPWVl76yBcAAA==&quot;"/>
     <we:property name="creatorSessionId" value="&quot;88461d93-241d-4f8d-b98e-272137f3ee79&quot;"/>
     <we:property name="creatorTenantId" value="&quot;3ae3c7c7-ea51-46de-9540-12f4110eac9b&quot;"/>
     <we:property name="creatorUserId" value="&quot;10030000AC9BC73D&quot;"/>
